--- a/presentation/meeting_1.pptx
+++ b/presentation/meeting_1.pptx
@@ -6931,7 +6931,7 @@
         </p:spPr>
         <p:txBody>
           <a:bodyPr spcFirstLastPara="1" wrap="square" lIns="91425" tIns="91425" rIns="91425" bIns="91425" anchor="t" anchorCtr="0">
-            <a:normAutofit/>
+            <a:normAutofit fontScale="92500" lnSpcReduction="20000"/>
           </a:bodyPr>
           <a:lstStyle/>
           <a:p>
@@ -7002,6 +7002,35 @@
               </a:rPr>
               <a:t>2-1. Masked autoencoder 방법론 설계 및 개발</a:t>
             </a:r>
+            <a:endParaRPr lang="en-US" altLang="ko">
+              <a:solidFill>
+                <a:schemeClr val="tx1"/>
+              </a:solidFill>
+            </a:endParaRPr>
+          </a:p>
+          <a:p>
+            <a:pPr marL="0" indent="457200">
+              <a:spcBef>
+                <a:spcPts val="1200"/>
+              </a:spcBef>
+              <a:buNone/>
+            </a:pPr>
+            <a:r>
+              <a:rPr lang="en-US">
+                <a:solidFill>
+                  <a:schemeClr val="tx1"/>
+                </a:solidFill>
+              </a:rPr>
+              <a:t>-</a:t>
+            </a:r>
+            <a:r>
+              <a:rPr lang="ko-KR" altLang="en-US">
+                <a:solidFill>
+                  <a:schemeClr val="tx1"/>
+                </a:solidFill>
+              </a:rPr>
+              <a:t>레즈넷 등 데이터숫자가 적은 경우 낮은 버전이 더 효과적</a:t>
+            </a:r>
             <a:endParaRPr>
               <a:solidFill>
                 <a:schemeClr val="tx1"/>
@@ -7041,6 +7070,102 @@
                 </a:solidFill>
               </a:rPr>
               <a:t>방법론 설계 및 개발 </a:t>
+            </a:r>
+            <a:endParaRPr lang="en-US" altLang="ko">
+              <a:solidFill>
+                <a:schemeClr val="tx1"/>
+              </a:solidFill>
+            </a:endParaRPr>
+          </a:p>
+          <a:p>
+            <a:pPr marL="0" lvl="0" indent="457200" algn="l" rtl="0">
+              <a:spcBef>
+                <a:spcPts val="1200"/>
+              </a:spcBef>
+              <a:spcAft>
+                <a:spcPts val="0"/>
+              </a:spcAft>
+              <a:buNone/>
+            </a:pPr>
+            <a:r>
+              <a:rPr lang="en-US">
+                <a:solidFill>
+                  <a:schemeClr val="tx1"/>
+                </a:solidFill>
+              </a:rPr>
+              <a:t>-</a:t>
+            </a:r>
+            <a:r>
+              <a:rPr lang="ko-KR" altLang="en-US">
+                <a:solidFill>
+                  <a:schemeClr val="tx1"/>
+                </a:solidFill>
+              </a:rPr>
+              <a:t>어깨 자체 </a:t>
+            </a:r>
+            <a:r>
+              <a:rPr lang="en-US" altLang="ko-KR">
+                <a:solidFill>
+                  <a:schemeClr val="tx1"/>
+                </a:solidFill>
+              </a:rPr>
+              <a:t>x-ray</a:t>
+            </a:r>
+            <a:r>
+              <a:rPr lang="ko-KR" altLang="en-US">
+                <a:solidFill>
+                  <a:schemeClr val="tx1"/>
+                </a:solidFill>
+              </a:rPr>
+              <a:t>에서 트레이닝</a:t>
+            </a:r>
+            <a:endParaRPr lang="en-US" altLang="ko-KR">
+              <a:solidFill>
+                <a:schemeClr val="tx1"/>
+              </a:solidFill>
+            </a:endParaRPr>
+          </a:p>
+          <a:p>
+            <a:pPr marL="0" lvl="0" indent="457200" algn="l" rtl="0">
+              <a:spcBef>
+                <a:spcPts val="1200"/>
+              </a:spcBef>
+              <a:spcAft>
+                <a:spcPts val="0"/>
+              </a:spcAft>
+              <a:buNone/>
+            </a:pPr>
+            <a:r>
+              <a:rPr lang="en-US">
+                <a:solidFill>
+                  <a:schemeClr val="tx1"/>
+                </a:solidFill>
+              </a:rPr>
+              <a:t>-</a:t>
+            </a:r>
+            <a:r>
+              <a:rPr lang="ko-KR" altLang="en-US">
+                <a:solidFill>
+                  <a:schemeClr val="tx1"/>
+                </a:solidFill>
+              </a:rPr>
+              <a:t>흉부 데이터를 사용하여 </a:t>
+            </a:r>
+            <a:r>
+              <a:rPr lang="en-US" altLang="ko-KR">
+                <a:solidFill>
+                  <a:schemeClr val="tx1"/>
+                </a:solidFill>
+              </a:rPr>
+              <a:t>proxy task</a:t>
+            </a:r>
+            <a:r>
+              <a:rPr lang="ko-KR" altLang="en-US">
+                <a:solidFill>
+                  <a:schemeClr val="tx1"/>
+                </a:solidFill>
+              </a:rPr>
+              <a:t>를 이용하여 트레이닝</a:t>
             </a:r>
             <a:endParaRPr>
               <a:solidFill>
@@ -7333,11 +7458,6 @@
               </a:rPr>
               <a:t>code</a:t>
             </a:r>
-            <a:endParaRPr>
-              <a:solidFill>
-                <a:schemeClr val="tx1"/>
-              </a:solidFill>
-            </a:endParaRPr>
           </a:p>
           <a:p>
             <a:pPr marL="0" lvl="0" indent="0" algn="l" rtl="0">
@@ -8041,7 +8161,7 @@
         </p:spPr>
         <p:txBody>
           <a:bodyPr spcFirstLastPara="1" wrap="square" lIns="91425" tIns="91425" rIns="91425" bIns="91425" anchor="t" anchorCtr="0">
-            <a:normAutofit/>
+            <a:normAutofit fontScale="92500" lnSpcReduction="20000"/>
           </a:bodyPr>
           <a:lstStyle/>
           <a:p>
@@ -8062,6 +8182,42 @@
                 </a:solidFill>
               </a:rPr>
               <a:t>성능 평가 metric 뭘로 하는 게 좋을지? [BAC, SPE, SEN]?</a:t>
+            </a:r>
+            <a:r>
+              <a:rPr lang="en-US" altLang="ko">
+                <a:solidFill>
+                  <a:schemeClr val="tx1"/>
+                </a:solidFill>
+              </a:rPr>
+              <a:t> </a:t>
+            </a:r>
+          </a:p>
+          <a:p>
+            <a:pPr marL="114300" lvl="0" indent="0" algn="l" rtl="0">
+              <a:spcBef>
+                <a:spcPts val="0"/>
+              </a:spcBef>
+              <a:spcAft>
+                <a:spcPts val="0"/>
+              </a:spcAft>
+              <a:buSzPts val="1800"/>
+              <a:buNone/>
+            </a:pPr>
+            <a:r>
+              <a:rPr lang="en-US" altLang="ko">
+                <a:solidFill>
+                  <a:schemeClr val="tx1"/>
+                </a:solidFill>
+              </a:rPr>
+              <a:t>     - AUC</a:t>
+            </a:r>
+            <a:r>
+              <a:rPr lang="ko-KR" altLang="en-US">
+                <a:solidFill>
+                  <a:schemeClr val="tx1"/>
+                </a:solidFill>
+              </a:rPr>
+              <a:t>를 추천</a:t>
             </a:r>
             <a:endParaRPr>
               <a:solidFill>
@@ -8070,7 +8226,7 @@
             </a:endParaRPr>
           </a:p>
           <a:p>
-            <a:pPr marL="457200" lvl="0" indent="-342900" algn="l" rtl="0">
+            <a:pPr marL="114300" lvl="0" indent="0" algn="l" rtl="0">
               <a:spcBef>
                 <a:spcPts val="0"/>
               </a:spcBef>
@@ -8078,8 +8234,16 @@
                 <a:spcPts val="0"/>
               </a:spcAft>
               <a:buSzPts val="1800"/>
-              <a:buAutoNum type="arabicPeriod"/>
+              <a:buNone/>
             </a:pPr>
+            <a:r>
+              <a:rPr lang="en-US" altLang="ko">
+                <a:solidFill>
+                  <a:schemeClr val="tx1"/>
+                </a:solidFill>
+              </a:rPr>
+              <a:t>2.  </a:t>
+            </a:r>
             <a:r>
               <a:rPr lang="ko">
                 <a:solidFill>
@@ -8095,7 +8259,7 @@
             </a:endParaRPr>
           </a:p>
           <a:p>
-            <a:pPr marL="457200" lvl="0" indent="-342900" algn="l" rtl="0">
+            <a:pPr marL="114300" lvl="0" indent="0" algn="l" rtl="0">
               <a:spcBef>
                 <a:spcPts val="0"/>
               </a:spcBef>
@@ -8103,8 +8267,16 @@
                 <a:spcPts val="0"/>
               </a:spcAft>
               <a:buSzPts val="1800"/>
-              <a:buAutoNum type="arabicPeriod"/>
+              <a:buNone/>
             </a:pPr>
+            <a:r>
+              <a:rPr lang="en-US" altLang="ko">
+                <a:solidFill>
+                  <a:schemeClr val="tx1"/>
+                </a:solidFill>
+              </a:rPr>
+              <a:t>3.  </a:t>
+            </a:r>
             <a:r>
               <a:rPr lang="ko">
                 <a:solidFill>
@@ -8112,6 +8284,55 @@
                 </a:solidFill>
               </a:rPr>
               <a:t>이미지 분석 분야에서 주로 활용되는 통계 분석기법</a:t>
+            </a:r>
+            <a:endParaRPr lang="en-US" altLang="ko">
+              <a:solidFill>
+                <a:schemeClr val="tx1"/>
+              </a:solidFill>
+            </a:endParaRPr>
+          </a:p>
+          <a:p>
+            <a:pPr marL="114300" lvl="0" indent="0" algn="l" rtl="0">
+              <a:spcBef>
+                <a:spcPts val="0"/>
+              </a:spcBef>
+              <a:spcAft>
+                <a:spcPts val="0"/>
+              </a:spcAft>
+              <a:buSzPts val="1800"/>
+              <a:buNone/>
+            </a:pPr>
+            <a:r>
+              <a:rPr lang="en-US">
+                <a:solidFill>
+                  <a:schemeClr val="tx1"/>
+                </a:solidFill>
+              </a:rPr>
+              <a:t>     - </a:t>
+            </a:r>
+            <a:r>
+              <a:rPr lang="ko-KR" altLang="en-US">
+                <a:solidFill>
+                  <a:schemeClr val="tx1"/>
+                </a:solidFill>
+              </a:rPr>
+              <a:t>모델을 비교하는 연구는 많이 이뤄지지 않음</a:t>
+            </a:r>
+            <a:r>
+              <a:rPr lang="en-US" altLang="ko-KR">
+                <a:solidFill>
+                  <a:schemeClr val="tx1"/>
+                </a:solidFill>
+              </a:rPr>
+              <a:t>-</a:t>
+            </a:r>
+            <a:r>
+              <a:rPr lang="ko-KR" altLang="en-US">
+                <a:solidFill>
+                  <a:schemeClr val="tx1"/>
+                </a:solidFill>
+              </a:rPr>
+              <a:t>관련 논문 전달 예정</a:t>
             </a:r>
             <a:endParaRPr>
               <a:solidFill>
@@ -8120,7 +8341,7 @@
             </a:endParaRPr>
           </a:p>
           <a:p>
-            <a:pPr marL="457200" lvl="0" indent="-342900" algn="l" rtl="0">
+            <a:pPr marL="114300" lvl="0" indent="0" algn="l" rtl="0">
               <a:spcBef>
                 <a:spcPts val="0"/>
               </a:spcBef>
@@ -8128,8 +8349,16 @@
                 <a:spcPts val="0"/>
               </a:spcAft>
               <a:buSzPts val="1800"/>
-              <a:buAutoNum type="arabicPeriod"/>
+              <a:buNone/>
             </a:pPr>
+            <a:r>
+              <a:rPr lang="en-US" altLang="ko">
+                <a:solidFill>
+                  <a:schemeClr val="tx1"/>
+                </a:solidFill>
+              </a:rPr>
+              <a:t>4.  </a:t>
+            </a:r>
             <a:r>
               <a:rPr lang="ko">
                 <a:solidFill>
@@ -8145,7 +8374,7 @@
             </a:endParaRPr>
           </a:p>
           <a:p>
-            <a:pPr marL="457200" lvl="0" indent="-342900" algn="l" rtl="0">
+            <a:pPr lvl="0" algn="l" rtl="0">
               <a:spcBef>
                 <a:spcPts val="0"/>
               </a:spcBef>
@@ -8153,7 +8382,7 @@
                 <a:spcPts val="0"/>
               </a:spcAft>
               <a:buSzPts val="1800"/>
-              <a:buAutoNum type="arabicPeriod"/>
+              <a:buAutoNum type="arabicPeriod" startAt="5"/>
             </a:pPr>
             <a:r>
               <a:rPr lang="ko">
@@ -8163,11 +8392,241 @@
               </a:rPr>
               <a:t>기존에 하시던 연구들 중 해당 연구와 유사한 프로젝트 여부</a:t>
             </a:r>
-            <a:endParaRPr>
+            <a:endParaRPr lang="en-US" altLang="ko">
               <a:solidFill>
                 <a:schemeClr val="tx1"/>
               </a:solidFill>
             </a:endParaRPr>
+          </a:p>
+          <a:p>
+            <a:pPr marL="114300" lvl="0" indent="0" algn="l" rtl="0">
+              <a:spcBef>
+                <a:spcPts val="0"/>
+              </a:spcBef>
+              <a:spcAft>
+                <a:spcPts val="0"/>
+              </a:spcAft>
+              <a:buSzPts val="1800"/>
+              <a:buNone/>
+            </a:pPr>
+            <a:r>
+              <a:rPr lang="en-US">
+                <a:solidFill>
+                  <a:schemeClr val="tx1"/>
+                </a:solidFill>
+              </a:rPr>
+              <a:t>     -</a:t>
+            </a:r>
+            <a:r>
+              <a:rPr lang="ko-KR" altLang="en-US">
+                <a:solidFill>
+                  <a:schemeClr val="tx1"/>
+                </a:solidFill>
+              </a:rPr>
+              <a:t>모델에 따라 </a:t>
+            </a:r>
+            <a:r>
+              <a:rPr lang="en-US" altLang="ko-KR">
+                <a:solidFill>
+                  <a:schemeClr val="tx1"/>
+                </a:solidFill>
+              </a:rPr>
+              <a:t>causality</a:t>
+            </a:r>
+            <a:r>
+              <a:rPr lang="ko-KR" altLang="en-US">
+                <a:solidFill>
+                  <a:schemeClr val="tx1"/>
+                </a:solidFill>
+              </a:rPr>
+              <a:t>를 분석하는 연구는 많이 이루어지지 않음</a:t>
+            </a:r>
+            <a:endParaRPr lang="en-US" altLang="ko-KR">
+              <a:solidFill>
+                <a:schemeClr val="tx1"/>
+              </a:solidFill>
+            </a:endParaRPr>
+          </a:p>
+          <a:p>
+            <a:pPr marL="114300" lvl="0" indent="0" algn="l" rtl="0">
+              <a:spcBef>
+                <a:spcPts val="0"/>
+              </a:spcBef>
+              <a:spcAft>
+                <a:spcPts val="0"/>
+              </a:spcAft>
+              <a:buSzPts val="1800"/>
+              <a:buNone/>
+            </a:pPr>
+            <a:r>
+              <a:rPr lang="en-US">
+                <a:solidFill>
+                  <a:schemeClr val="tx1"/>
+                </a:solidFill>
+              </a:rPr>
+              <a:t>     -</a:t>
+            </a:r>
+            <a:r>
+              <a:rPr lang="ko-KR" altLang="en-US">
+                <a:solidFill>
+                  <a:schemeClr val="tx1"/>
+                </a:solidFill>
+              </a:rPr>
+              <a:t>관련자료를 찾아보거라</a:t>
+            </a:r>
+            <a:r>
+              <a:rPr lang="en-US" altLang="ko-KR">
+                <a:solidFill>
+                  <a:schemeClr val="tx1"/>
+                </a:solidFill>
+              </a:rPr>
+              <a:t>..</a:t>
+            </a:r>
+          </a:p>
+          <a:p>
+            <a:pPr marL="114300" lvl="0" indent="0" algn="l" rtl="0">
+              <a:spcBef>
+                <a:spcPts val="0"/>
+              </a:spcBef>
+              <a:spcAft>
+                <a:spcPts val="0"/>
+              </a:spcAft>
+              <a:buSzPts val="1800"/>
+              <a:buNone/>
+            </a:pPr>
+            <a:endParaRPr lang="en-US">
+              <a:solidFill>
+                <a:schemeClr val="tx1"/>
+              </a:solidFill>
+            </a:endParaRPr>
+          </a:p>
+          <a:p>
+            <a:pPr marL="114300" lvl="0" indent="0" algn="l" rtl="0">
+              <a:spcBef>
+                <a:spcPts val="0"/>
+              </a:spcBef>
+              <a:spcAft>
+                <a:spcPts val="0"/>
+              </a:spcAft>
+              <a:buSzPts val="1800"/>
+              <a:buNone/>
+            </a:pPr>
+            <a:r>
+              <a:rPr lang="en-US">
+                <a:solidFill>
+                  <a:schemeClr val="tx1"/>
+                </a:solidFill>
+              </a:rPr>
+              <a:t>Augmentation </a:t>
+            </a:r>
+            <a:r>
+              <a:rPr lang="ko-KR" altLang="en-US">
+                <a:solidFill>
+                  <a:schemeClr val="tx1"/>
+                </a:solidFill>
+              </a:rPr>
+              <a:t>추가 할 것 </a:t>
+            </a:r>
+            <a:r>
+              <a:rPr lang="en-US">
+                <a:solidFill>
+                  <a:schemeClr val="tx1"/>
+                </a:solidFill>
+              </a:rPr>
+              <a:t>: </a:t>
+            </a:r>
+            <a:r>
+              <a:rPr lang="ko-KR" altLang="en-US">
+                <a:solidFill>
+                  <a:schemeClr val="tx1"/>
+                </a:solidFill>
+              </a:rPr>
+              <a:t>이미지 섞는 거랑</a:t>
+            </a:r>
+            <a:r>
+              <a:rPr lang="en-US" altLang="ko-KR">
+                <a:solidFill>
+                  <a:schemeClr val="tx1"/>
+                </a:solidFill>
+              </a:rPr>
+              <a:t>(imagenet</a:t>
+            </a:r>
+            <a:r>
+              <a:rPr lang="ko-KR" altLang="en-US">
+                <a:solidFill>
+                  <a:schemeClr val="tx1"/>
+                </a:solidFill>
+              </a:rPr>
+              <a:t>같은 경우 좋음</a:t>
+            </a:r>
+            <a:r>
+              <a:rPr lang="en-US" altLang="ko-KR">
+                <a:solidFill>
+                  <a:schemeClr val="tx1"/>
+                </a:solidFill>
+              </a:rPr>
+              <a:t>)</a:t>
+            </a:r>
+          </a:p>
+          <a:p>
+            <a:pPr marL="114300" lvl="0" indent="0" algn="l" rtl="0">
+              <a:spcBef>
+                <a:spcPts val="0"/>
+              </a:spcBef>
+              <a:spcAft>
+                <a:spcPts val="0"/>
+              </a:spcAft>
+              <a:buSzPts val="1800"/>
+              <a:buNone/>
+            </a:pPr>
+            <a:r>
+              <a:rPr lang="ko-KR" altLang="en-US">
+                <a:solidFill>
+                  <a:schemeClr val="tx1"/>
+                </a:solidFill>
+              </a:rPr>
+              <a:t>산학 멘토 질문 </a:t>
+            </a:r>
+            <a:r>
+              <a:rPr lang="en-US" altLang="ko-KR">
+                <a:solidFill>
+                  <a:schemeClr val="tx1"/>
+                </a:solidFill>
+              </a:rPr>
+              <a:t>: </a:t>
+            </a:r>
+            <a:r>
+              <a:rPr lang="ko-KR" altLang="en-US">
+                <a:solidFill>
+                  <a:schemeClr val="tx1"/>
+                </a:solidFill>
+              </a:rPr>
+              <a:t>이 프로젝트 산업에서 쓰이나</a:t>
+            </a:r>
+            <a:r>
+              <a:rPr lang="en-US" altLang="ko-KR">
+                <a:solidFill>
+                  <a:schemeClr val="tx1"/>
+                </a:solidFill>
+              </a:rPr>
+              <a:t>?</a:t>
+            </a:r>
+            <a:r>
+              <a:rPr lang="ko-KR" altLang="en-US">
+                <a:solidFill>
+                  <a:schemeClr val="tx1"/>
+                </a:solidFill>
+              </a:rPr>
+              <a:t>의료 사업</a:t>
+            </a:r>
+            <a:r>
+              <a:rPr lang="en-US" altLang="ko-KR">
+                <a:solidFill>
+                  <a:schemeClr val="tx1"/>
+                </a:solidFill>
+              </a:rPr>
+              <a:t>?</a:t>
+            </a:r>
           </a:p>
         </p:txBody>
       </p:sp>
